--- a/Terraform/Terraform.pptx
+++ b/Terraform/Terraform.pptx
@@ -15961,7 +15961,7 @@
               </a:spcAft>
               <a:buNone/>
             </a:pPr>
-            <a:endParaRPr sz="1100" b="1">
+            <a:endParaRPr sz="1100" b="1" dirty="0">
               <a:latin typeface="Arial"/>
               <a:ea typeface="Arial"/>
               <a:cs typeface="Arial"/>
@@ -15984,7 +15984,7 @@
               <a:buNone/>
             </a:pPr>
             <a:r>
-              <a:rPr lang="en" sz="1100">
+              <a:rPr lang="en" sz="1100" dirty="0">
                 <a:latin typeface="Arial"/>
                 <a:ea typeface="Arial"/>
                 <a:cs typeface="Arial"/>
@@ -15992,7 +15992,7 @@
               </a:rPr>
               <a:t>Remote state management involves storing Terraform state file in a remote backend instead of the local disk. This approach is essential for collaboration, consistency, and security in multi-user or team environments.</a:t>
             </a:r>
-            <a:endParaRPr sz="1100">
+            <a:endParaRPr sz="1100" dirty="0">
               <a:latin typeface="Arial"/>
               <a:ea typeface="Arial"/>
               <a:cs typeface="Arial"/>
@@ -16015,7 +16015,7 @@
               <a:buNone/>
             </a:pPr>
             <a:r>
-              <a:rPr lang="en" sz="1100">
+              <a:rPr lang="en" sz="1100" dirty="0">
                 <a:latin typeface="Arial"/>
                 <a:ea typeface="Arial"/>
                 <a:cs typeface="Arial"/>
@@ -16023,7 +16023,7 @@
               </a:rPr>
               <a:t>Below are some of the features of Terraform State Remote Management</a:t>
             </a:r>
-            <a:endParaRPr sz="1100">
+            <a:endParaRPr sz="1100" dirty="0">
               <a:latin typeface="Arial"/>
               <a:ea typeface="Arial"/>
               <a:cs typeface="Arial"/>
@@ -16043,7 +16043,7 @@
               <a:buChar char="●"/>
             </a:pPr>
             <a:r>
-              <a:rPr lang="en" sz="1100" b="1">
+              <a:rPr lang="en" sz="1100" b="1" dirty="0">
                 <a:latin typeface="Arial"/>
                 <a:ea typeface="Arial"/>
                 <a:cs typeface="Arial"/>
@@ -16052,7 +16052,7 @@
               <a:t>Collaboration:</a:t>
             </a:r>
             <a:r>
-              <a:rPr lang="en" sz="1100">
+              <a:rPr lang="en" sz="1100" dirty="0">
                 <a:latin typeface="Arial"/>
                 <a:ea typeface="Arial"/>
                 <a:cs typeface="Arial"/>
@@ -16060,7 +16060,7 @@
               </a:rPr>
               <a:t> Multiple team members can work on the same infrastructure while sharing a single source of truth.</a:t>
             </a:r>
-            <a:endParaRPr sz="1100">
+            <a:endParaRPr sz="1100" dirty="0">
               <a:latin typeface="Arial"/>
               <a:ea typeface="Arial"/>
               <a:cs typeface="Arial"/>
@@ -16080,7 +16080,7 @@
               <a:buChar char="●"/>
             </a:pPr>
             <a:r>
-              <a:rPr lang="en" sz="1100" b="1">
+              <a:rPr lang="en" sz="1100" b="1" dirty="0">
                 <a:latin typeface="Arial"/>
                 <a:ea typeface="Arial"/>
                 <a:cs typeface="Arial"/>
@@ -16089,7 +16089,7 @@
               <a:t>Consistency:</a:t>
             </a:r>
             <a:r>
-              <a:rPr lang="en" sz="1100">
+              <a:rPr lang="en" sz="1100" dirty="0">
                 <a:latin typeface="Arial"/>
                 <a:ea typeface="Arial"/>
                 <a:cs typeface="Arial"/>
@@ -16097,7 +16097,7 @@
               </a:rPr>
               <a:t> Centralized state ensures all users have access to the latest infrastructure state.</a:t>
             </a:r>
-            <a:endParaRPr sz="1100">
+            <a:endParaRPr sz="1100" dirty="0">
               <a:latin typeface="Arial"/>
               <a:ea typeface="Arial"/>
               <a:cs typeface="Arial"/>
@@ -16117,7 +16117,7 @@
               <a:buChar char="●"/>
             </a:pPr>
             <a:r>
-              <a:rPr lang="en" sz="1100" b="1">
+              <a:rPr lang="en" sz="1100" b="1" dirty="0">
                 <a:latin typeface="Arial"/>
                 <a:ea typeface="Arial"/>
                 <a:cs typeface="Arial"/>
@@ -16126,7 +16126,7 @@
               <a:t>Backups:</a:t>
             </a:r>
             <a:r>
-              <a:rPr lang="en" sz="1100">
+              <a:rPr lang="en" sz="1100" dirty="0">
                 <a:latin typeface="Arial"/>
                 <a:ea typeface="Arial"/>
                 <a:cs typeface="Arial"/>
@@ -16134,7 +16134,7 @@
               </a:rPr>
               <a:t> Many remote backends provide automatic backups and versioning.</a:t>
             </a:r>
-            <a:endParaRPr sz="1100">
+            <a:endParaRPr sz="1100" dirty="0">
               <a:latin typeface="Arial"/>
               <a:ea typeface="Arial"/>
               <a:cs typeface="Arial"/>
@@ -16154,7 +16154,7 @@
               <a:buChar char="●"/>
             </a:pPr>
             <a:r>
-              <a:rPr lang="en" sz="1100" b="1">
+              <a:rPr lang="en" sz="1100" b="1" dirty="0">
                 <a:latin typeface="Arial"/>
                 <a:ea typeface="Arial"/>
                 <a:cs typeface="Arial"/>
@@ -16163,7 +16163,7 @@
               <a:t>Security:</a:t>
             </a:r>
             <a:r>
-              <a:rPr lang="en" sz="1100">
+              <a:rPr lang="en" sz="1100" dirty="0">
                 <a:latin typeface="Arial"/>
                 <a:ea typeface="Arial"/>
                 <a:cs typeface="Arial"/>
@@ -16171,7 +16171,7 @@
               </a:rPr>
               <a:t> Remote backends can encrypt the state file and use access controls.</a:t>
             </a:r>
-            <a:endParaRPr sz="1100" b="1">
+            <a:endParaRPr sz="1100" b="1" dirty="0">
               <a:latin typeface="Arial"/>
               <a:ea typeface="Arial"/>
               <a:cs typeface="Arial"/>
@@ -16189,7 +16189,7 @@
               <a:buNone/>
             </a:pPr>
             <a:r>
-              <a:rPr lang="en" sz="900">
+              <a:rPr lang="en" sz="900" dirty="0">
                 <a:latin typeface="Arial"/>
                 <a:ea typeface="Arial"/>
                 <a:cs typeface="Arial"/>
@@ -16197,7 +16197,7 @@
               </a:rPr>
               <a:t>.</a:t>
             </a:r>
-            <a:endParaRPr sz="1100" b="1">
+            <a:endParaRPr sz="1100" b="1" dirty="0">
               <a:latin typeface="Arial"/>
               <a:ea typeface="Arial"/>
               <a:cs typeface="Arial"/>
@@ -16790,7 +16790,7 @@
               </a:spcAft>
               <a:buNone/>
             </a:pPr>
-            <a:endParaRPr sz="1100" b="1">
+            <a:endParaRPr sz="1100" b="1" dirty="0">
               <a:latin typeface="Arial"/>
               <a:ea typeface="Arial"/>
               <a:cs typeface="Arial"/>
@@ -16810,7 +16810,7 @@
               <a:buChar char="●"/>
             </a:pPr>
             <a:r>
-              <a:rPr lang="en" sz="1100">
+              <a:rPr lang="en" sz="1100" dirty="0">
                 <a:latin typeface="Arial"/>
                 <a:ea typeface="Arial"/>
                 <a:cs typeface="Arial"/>
@@ -16818,7 +16818,7 @@
               </a:rPr>
               <a:t>State locking prevents multiple users from modifying the state file simultaneously, which could corrupt the file</a:t>
             </a:r>
-            <a:endParaRPr sz="1100">
+            <a:endParaRPr sz="1100" dirty="0">
               <a:latin typeface="Arial"/>
               <a:ea typeface="Arial"/>
               <a:cs typeface="Arial"/>
@@ -16838,7 +16838,7 @@
               <a:buChar char="●"/>
             </a:pPr>
             <a:r>
-              <a:rPr lang="en" sz="1100">
+              <a:rPr lang="en" sz="1100" dirty="0">
                 <a:latin typeface="Arial"/>
                 <a:ea typeface="Arial"/>
                 <a:cs typeface="Arial"/>
@@ -16846,7 +16846,7 @@
               </a:rPr>
               <a:t>S3 backend locking can be enabled using DynamoDB table.</a:t>
             </a:r>
-            <a:endParaRPr sz="1100">
+            <a:endParaRPr sz="1100" dirty="0">
               <a:latin typeface="Arial"/>
               <a:ea typeface="Arial"/>
               <a:cs typeface="Arial"/>
@@ -16864,7 +16864,7 @@
               <a:buNone/>
             </a:pPr>
             <a:r>
-              <a:rPr lang="en" sz="1100">
+              <a:rPr lang="en" sz="1100" dirty="0">
                 <a:latin typeface="Arial"/>
                 <a:ea typeface="Arial"/>
                 <a:cs typeface="Arial"/>
@@ -16872,7 +16872,7 @@
               </a:rPr>
               <a:t>Enabling state locking in dynamodb for s3 backend:</a:t>
             </a:r>
-            <a:endParaRPr sz="1100">
+            <a:endParaRPr sz="1100" dirty="0">
               <a:latin typeface="Arial"/>
               <a:ea typeface="Arial"/>
               <a:cs typeface="Arial"/>
@@ -16895,7 +16895,7 @@
               <a:buNone/>
             </a:pPr>
             <a:r>
-              <a:rPr lang="en" sz="1100">
+              <a:rPr lang="en" sz="1100" dirty="0">
                 <a:latin typeface="Arial"/>
                 <a:ea typeface="Arial"/>
                 <a:cs typeface="Arial"/>
@@ -16903,7 +16903,7 @@
               </a:rPr>
               <a:t>Create a DynamoDB table for locking:</a:t>
             </a:r>
-            <a:endParaRPr sz="1100">
+            <a:endParaRPr sz="1100" dirty="0">
               <a:latin typeface="Arial"/>
               <a:ea typeface="Arial"/>
               <a:cs typeface="Arial"/>
@@ -16923,7 +16923,7 @@
               <a:buAutoNum type="arabicPeriod"/>
             </a:pPr>
             <a:r>
-              <a:rPr lang="en" sz="1100">
+              <a:rPr lang="en" sz="1100" dirty="0">
                 <a:latin typeface="Arial"/>
                 <a:ea typeface="Arial"/>
                 <a:cs typeface="Arial"/>
@@ -16931,7 +16931,7 @@
               </a:rPr>
               <a:t>In AWS Management Console:</a:t>
             </a:r>
-            <a:endParaRPr sz="1100">
+            <a:endParaRPr sz="1100" dirty="0">
               <a:latin typeface="Arial"/>
               <a:ea typeface="Arial"/>
               <a:cs typeface="Arial"/>
@@ -16951,7 +16951,7 @@
               <a:buChar char="○"/>
             </a:pPr>
             <a:r>
-              <a:rPr lang="en" sz="1100">
+              <a:rPr lang="en" sz="1100" dirty="0">
                 <a:latin typeface="Arial"/>
                 <a:ea typeface="Arial"/>
                 <a:cs typeface="Arial"/>
@@ -16960,7 +16960,7 @@
               <a:t>Create a table with the name </a:t>
             </a:r>
             <a:r>
-              <a:rPr lang="en" sz="1100">
+              <a:rPr lang="en" sz="1100" dirty="0">
                 <a:solidFill>
                   <a:srgbClr val="188038"/>
                 </a:solidFill>
@@ -16972,7 +16972,7 @@
               <a:t>terraform-lock</a:t>
             </a:r>
             <a:r>
-              <a:rPr lang="en" sz="1100">
+              <a:rPr lang="en" sz="1100" dirty="0">
                 <a:latin typeface="Arial"/>
                 <a:ea typeface="Arial"/>
                 <a:cs typeface="Arial"/>
@@ -16980,7 +16980,7 @@
               </a:rPr>
               <a:t>.</a:t>
             </a:r>
-            <a:endParaRPr sz="1100">
+            <a:endParaRPr sz="1100" dirty="0">
               <a:latin typeface="Arial"/>
               <a:ea typeface="Arial"/>
               <a:cs typeface="Arial"/>
@@ -17000,7 +17000,7 @@
               <a:buChar char="○"/>
             </a:pPr>
             <a:r>
-              <a:rPr lang="en" sz="1100">
+              <a:rPr lang="en" sz="1100" dirty="0">
                 <a:latin typeface="Arial"/>
                 <a:ea typeface="Arial"/>
                 <a:cs typeface="Arial"/>
@@ -17009,7 +17009,7 @@
               <a:t>Use </a:t>
             </a:r>
             <a:r>
-              <a:rPr lang="en" sz="1100">
+              <a:rPr lang="en" sz="1100" dirty="0">
                 <a:solidFill>
                   <a:srgbClr val="188038"/>
                 </a:solidFill>
@@ -17021,7 +17021,7 @@
               <a:t>LockID</a:t>
             </a:r>
             <a:r>
-              <a:rPr lang="en" sz="1100">
+              <a:rPr lang="en" sz="1100" dirty="0">
                 <a:latin typeface="Arial"/>
                 <a:ea typeface="Arial"/>
                 <a:cs typeface="Arial"/>
@@ -17029,7 +17029,7 @@
               </a:rPr>
               <a:t> as the partition key (string type).</a:t>
             </a:r>
-            <a:endParaRPr sz="1100">
+            <a:endParaRPr sz="1100" dirty="0">
               <a:latin typeface="Arial"/>
               <a:ea typeface="Arial"/>
               <a:cs typeface="Arial"/>
@@ -17049,7 +17049,7 @@
               <a:buAutoNum type="arabicPeriod"/>
             </a:pPr>
             <a:r>
-              <a:rPr lang="en" sz="1100">
+              <a:rPr lang="en" sz="1100" dirty="0">
                 <a:latin typeface="Arial"/>
                 <a:ea typeface="Arial"/>
                 <a:cs typeface="Arial"/>
@@ -17057,7 +17057,7 @@
               </a:rPr>
               <a:t>Configure Terraform:</a:t>
             </a:r>
-            <a:endParaRPr sz="1100">
+            <a:endParaRPr sz="1100" dirty="0">
               <a:latin typeface="Arial"/>
               <a:ea typeface="Arial"/>
               <a:cs typeface="Arial"/>
@@ -17078,7 +17078,7 @@
               <a:buNone/>
             </a:pPr>
             <a:r>
-              <a:rPr lang="en" sz="900">
+              <a:rPr lang="en" sz="900" dirty="0">
                 <a:solidFill>
                   <a:srgbClr val="188038"/>
                 </a:solidFill>
@@ -17089,7 +17089,7 @@
               </a:rPr>
               <a:t>terraform {</a:t>
             </a:r>
-            <a:endParaRPr sz="900">
+            <a:endParaRPr sz="900" dirty="0">
               <a:solidFill>
                 <a:srgbClr val="188038"/>
               </a:solidFill>
@@ -17113,7 +17113,7 @@
               <a:buNone/>
             </a:pPr>
             <a:r>
-              <a:rPr lang="en" sz="900">
+              <a:rPr lang="en" sz="900" dirty="0">
                 <a:solidFill>
                   <a:srgbClr val="188038"/>
                 </a:solidFill>
@@ -17124,7 +17124,7 @@
               </a:rPr>
               <a:t>  backend "s3" {</a:t>
             </a:r>
-            <a:endParaRPr sz="900">
+            <a:endParaRPr sz="900" dirty="0">
               <a:solidFill>
                 <a:srgbClr val="188038"/>
               </a:solidFill>
@@ -17148,7 +17148,7 @@
               <a:buNone/>
             </a:pPr>
             <a:r>
-              <a:rPr lang="en" sz="900">
+              <a:rPr lang="en" sz="900" dirty="0">
                 <a:solidFill>
                   <a:srgbClr val="188038"/>
                 </a:solidFill>
@@ -17159,7 +17159,7 @@
               </a:rPr>
               <a:t>    bucket         = "my-terraform-state"</a:t>
             </a:r>
-            <a:endParaRPr sz="900">
+            <a:endParaRPr sz="900" dirty="0">
               <a:solidFill>
                 <a:srgbClr val="188038"/>
               </a:solidFill>
@@ -17183,7 +17183,7 @@
               <a:buNone/>
             </a:pPr>
             <a:r>
-              <a:rPr lang="en" sz="900">
+              <a:rPr lang="en" sz="900" dirty="0">
                 <a:solidFill>
                   <a:srgbClr val="188038"/>
                 </a:solidFill>
@@ -17194,7 +17194,7 @@
               </a:rPr>
               <a:t>    key            = "prod/terraform.tfstate"</a:t>
             </a:r>
-            <a:endParaRPr sz="900">
+            <a:endParaRPr sz="900" dirty="0">
               <a:solidFill>
                 <a:srgbClr val="188038"/>
               </a:solidFill>
@@ -17218,7 +17218,7 @@
               <a:buNone/>
             </a:pPr>
             <a:r>
-              <a:rPr lang="en" sz="900">
+              <a:rPr lang="en" sz="900" dirty="0">
                 <a:solidFill>
                   <a:srgbClr val="188038"/>
                 </a:solidFill>
@@ -17229,7 +17229,7 @@
               </a:rPr>
               <a:t>    region         = "us-east-1"</a:t>
             </a:r>
-            <a:endParaRPr sz="900">
+            <a:endParaRPr sz="900" dirty="0">
               <a:solidFill>
                 <a:srgbClr val="188038"/>
               </a:solidFill>
@@ -17253,7 +17253,7 @@
               <a:buNone/>
             </a:pPr>
             <a:r>
-              <a:rPr lang="en" sz="900">
+              <a:rPr lang="en" sz="900" dirty="0">
                 <a:solidFill>
                   <a:srgbClr val="188038"/>
                 </a:solidFill>
@@ -17264,7 +17264,7 @@
               </a:rPr>
               <a:t>    dynamodb_table = "terraform-lock"</a:t>
             </a:r>
-            <a:endParaRPr sz="900">
+            <a:endParaRPr sz="900" dirty="0">
               <a:solidFill>
                 <a:srgbClr val="188038"/>
               </a:solidFill>
@@ -17288,7 +17288,7 @@
               <a:buNone/>
             </a:pPr>
             <a:r>
-              <a:rPr lang="en" sz="900">
+              <a:rPr lang="en" sz="900" dirty="0">
                 <a:solidFill>
                   <a:srgbClr val="188038"/>
                 </a:solidFill>
@@ -17299,7 +17299,7 @@
               </a:rPr>
               <a:t>  }</a:t>
             </a:r>
-            <a:endParaRPr sz="900">
+            <a:endParaRPr sz="900" dirty="0">
               <a:solidFill>
                 <a:srgbClr val="188038"/>
               </a:solidFill>
@@ -17323,7 +17323,7 @@
               <a:buNone/>
             </a:pPr>
             <a:r>
-              <a:rPr lang="en" sz="900">
+              <a:rPr lang="en" sz="900" dirty="0">
                 <a:solidFill>
                   <a:srgbClr val="188038"/>
                 </a:solidFill>
@@ -17334,7 +17334,7 @@
               </a:rPr>
               <a:t>}</a:t>
             </a:r>
-            <a:endParaRPr sz="1100">
+            <a:endParaRPr sz="1100" dirty="0">
               <a:solidFill>
                 <a:srgbClr val="188038"/>
               </a:solidFill>
@@ -17354,7 +17354,7 @@
               </a:spcAft>
               <a:buNone/>
             </a:pPr>
-            <a:endParaRPr sz="1100">
+            <a:endParaRPr sz="1100" dirty="0">
               <a:latin typeface="Arial"/>
               <a:ea typeface="Arial"/>
               <a:cs typeface="Arial"/>
@@ -17372,7 +17372,7 @@
               <a:buNone/>
             </a:pPr>
             <a:r>
-              <a:rPr lang="en" sz="900">
+              <a:rPr lang="en" sz="900" dirty="0">
                 <a:latin typeface="Arial"/>
                 <a:ea typeface="Arial"/>
                 <a:cs typeface="Arial"/>
@@ -17380,7 +17380,7 @@
               </a:rPr>
               <a:t>.</a:t>
             </a:r>
-            <a:endParaRPr sz="1100" b="1">
+            <a:endParaRPr sz="1100" b="1" dirty="0">
               <a:latin typeface="Arial"/>
               <a:ea typeface="Arial"/>
               <a:cs typeface="Arial"/>
